--- a/apresentacao.pptx
+++ b/apresentacao.pptx
@@ -19499,7 +19499,7 @@
           <a:p>
             <a:fld id="{38130616-EEC3-4A69-ADE7-24C20C0C6649}" type="datetimeFigureOut">
               <a:rPr lang="pt-PT" smtClean="0"/>
-              <a:t>11/10/2025</a:t>
+              <a:t>13/10/2025</a:t>
             </a:fld>
             <a:endParaRPr lang="pt-PT"/>
           </a:p>
@@ -20661,7 +20661,10 @@
           <a:bodyPr/>
           <a:lstStyle/>
           <a:p>
-            <a:endParaRPr lang="pt-PT" dirty="0"/>
+            <a:r>
+              <a:rPr lang="pt-PT" dirty="0"/>
+              <a:t>Entidade –onde foi alterado (INSERT, UPDATE, DELETE)</a:t>
+            </a:r>
           </a:p>
         </p:txBody>
       </p:sp>
@@ -21209,7 +21212,7 @@
           <a:p>
             <a:fld id="{05D3A710-CACC-4541-BF40-D8353C6C20BA}" type="datetimeFigureOut">
               <a:rPr lang="pt-PT" smtClean="0"/>
-              <a:t>11/10/2025</a:t>
+              <a:t>13/10/2025</a:t>
             </a:fld>
             <a:endParaRPr lang="pt-PT"/>
           </a:p>
@@ -21410,7 +21413,7 @@
           <a:p>
             <a:fld id="{05D3A710-CACC-4541-BF40-D8353C6C20BA}" type="datetimeFigureOut">
               <a:rPr lang="pt-PT" smtClean="0"/>
-              <a:t>11/10/2025</a:t>
+              <a:t>13/10/2025</a:t>
             </a:fld>
             <a:endParaRPr lang="pt-PT"/>
           </a:p>
@@ -21621,7 +21624,7 @@
           <a:p>
             <a:fld id="{05D3A710-CACC-4541-BF40-D8353C6C20BA}" type="datetimeFigureOut">
               <a:rPr lang="pt-PT" smtClean="0"/>
-              <a:t>11/10/2025</a:t>
+              <a:t>13/10/2025</a:t>
             </a:fld>
             <a:endParaRPr lang="pt-PT"/>
           </a:p>
@@ -21822,7 +21825,7 @@
           <a:p>
             <a:fld id="{05D3A710-CACC-4541-BF40-D8353C6C20BA}" type="datetimeFigureOut">
               <a:rPr lang="pt-PT" smtClean="0"/>
-              <a:t>11/10/2025</a:t>
+              <a:t>13/10/2025</a:t>
             </a:fld>
             <a:endParaRPr lang="pt-PT"/>
           </a:p>
@@ -22100,7 +22103,7 @@
           <a:p>
             <a:fld id="{05D3A710-CACC-4541-BF40-D8353C6C20BA}" type="datetimeFigureOut">
               <a:rPr lang="pt-PT" smtClean="0"/>
-              <a:t>11/10/2025</a:t>
+              <a:t>13/10/2025</a:t>
             </a:fld>
             <a:endParaRPr lang="pt-PT"/>
           </a:p>
@@ -22368,7 +22371,7 @@
           <a:p>
             <a:fld id="{05D3A710-CACC-4541-BF40-D8353C6C20BA}" type="datetimeFigureOut">
               <a:rPr lang="pt-PT" smtClean="0"/>
-              <a:t>11/10/2025</a:t>
+              <a:t>13/10/2025</a:t>
             </a:fld>
             <a:endParaRPr lang="pt-PT"/>
           </a:p>
@@ -22783,7 +22786,7 @@
           <a:p>
             <a:fld id="{05D3A710-CACC-4541-BF40-D8353C6C20BA}" type="datetimeFigureOut">
               <a:rPr lang="pt-PT" smtClean="0"/>
-              <a:t>11/10/2025</a:t>
+              <a:t>13/10/2025</a:t>
             </a:fld>
             <a:endParaRPr lang="pt-PT"/>
           </a:p>
@@ -22927,7 +22930,7 @@
           <a:p>
             <a:fld id="{05D3A710-CACC-4541-BF40-D8353C6C20BA}" type="datetimeFigureOut">
               <a:rPr lang="pt-PT" smtClean="0"/>
-              <a:t>11/10/2025</a:t>
+              <a:t>13/10/2025</a:t>
             </a:fld>
             <a:endParaRPr lang="pt-PT"/>
           </a:p>
@@ -23043,7 +23046,7 @@
           <a:p>
             <a:fld id="{05D3A710-CACC-4541-BF40-D8353C6C20BA}" type="datetimeFigureOut">
               <a:rPr lang="pt-PT" smtClean="0"/>
-              <a:t>11/10/2025</a:t>
+              <a:t>13/10/2025</a:t>
             </a:fld>
             <a:endParaRPr lang="pt-PT"/>
           </a:p>
@@ -23357,7 +23360,7 @@
           <a:p>
             <a:fld id="{05D3A710-CACC-4541-BF40-D8353C6C20BA}" type="datetimeFigureOut">
               <a:rPr lang="pt-PT" smtClean="0"/>
-              <a:t>11/10/2025</a:t>
+              <a:t>13/10/2025</a:t>
             </a:fld>
             <a:endParaRPr lang="pt-PT"/>
           </a:p>
@@ -23648,7 +23651,7 @@
           <a:p>
             <a:fld id="{05D3A710-CACC-4541-BF40-D8353C6C20BA}" type="datetimeFigureOut">
               <a:rPr lang="pt-PT" smtClean="0"/>
-              <a:t>11/10/2025</a:t>
+              <a:t>13/10/2025</a:t>
             </a:fld>
             <a:endParaRPr lang="pt-PT"/>
           </a:p>
@@ -23897,7 +23900,7 @@
           <a:p>
             <a:fld id="{05D3A710-CACC-4541-BF40-D8353C6C20BA}" type="datetimeFigureOut">
               <a:rPr lang="pt-PT" smtClean="0"/>
-              <a:t>11/10/2025</a:t>
+              <a:t>13/10/2025</a:t>
             </a:fld>
             <a:endParaRPr lang="pt-PT"/>
           </a:p>
